--- a/files/icassp2022.pptx
+++ b/files/icassp2022.pptx
@@ -9415,7 +9415,7 @@
               <a:t>recipe</a:t>
             </a:r>
             <a:r>
-              <a:rPr lang="zh-CN" altLang="en-US">
+              <a:rPr lang="zh-CN" altLang="en-US" dirty="0">
                 <a:solidFill>
                   <a:schemeClr val="accent6"/>
                 </a:solidFill>
@@ -9423,7 +9423,7 @@
               <a:t> </a:t>
             </a:r>
             <a:r>
-              <a:rPr lang="en-US" altLang="zh-CN">
+              <a:rPr lang="en-US" altLang="zh-CN" dirty="0">
                 <a:solidFill>
                   <a:schemeClr val="accent6"/>
                 </a:solidFill>
@@ -11171,7 +11171,31 @@
           <a:p>
             <a:r>
               <a:rPr lang="en-US" dirty="0"/>
-              <a:t>In the collaborative knowledge graph, an entity embedding is</a:t>
+              <a:t>In the collaborative knowledge graph, a</a:t>
+            </a:r>
+            <a:r>
+              <a:rPr lang="zh-CN" altLang="en-US" dirty="0"/>
+              <a:t> </a:t>
+            </a:r>
+            <a:r>
+              <a:rPr lang="en-US" altLang="zh-CN" dirty="0"/>
+              <a:t>user/item</a:t>
+            </a:r>
+            <a:r>
+              <a:rPr lang="zh-CN" altLang="en-US" dirty="0"/>
+              <a:t> </a:t>
+            </a:r>
+            <a:r>
+              <a:rPr lang="en-US" altLang="zh-CN" dirty="0"/>
+              <a:t>collaborative</a:t>
+            </a:r>
+            <a:r>
+              <a:rPr lang="zh-CN" altLang="en-US" dirty="0"/>
+              <a:t> </a:t>
+            </a:r>
+            <a:r>
+              <a:rPr lang="en-US" dirty="0"/>
+              <a:t>embedding is</a:t>
             </a:r>
             <a:r>
               <a:rPr lang="zh-CN" altLang="en-US" dirty="0"/>
